--- a/other/desserts.pptx
+++ b/other/desserts.pptx
@@ -107,6 +107,11 @@
       </a:defRPr>
     </a:lvl9pPr>
   </p:defaultTextStyle>
+  <p:extLst>
+    <p:ext uri="{EFAFB233-063F-42B5-8137-9DF3F51BA10A}">
+      <p15:sldGuideLst xmlns:p15="http://schemas.microsoft.com/office/powerpoint/2012/main"/>
+    </p:ext>
+  </p:extLst>
 </p:presentation>
 </file>
 
@@ -192,7 +197,7 @@
           <a:p>
             <a:fld id="{2A048057-F6A0-1C47-BF4C-D1D9DA6B1DF7}" type="datetimeFigureOut">
               <a:rPr lang="en-US" smtClean="0"/>
-              <a:t>7/10/19</a:t>
+              <a:t>8/25/19</a:t>
             </a:fld>
             <a:endParaRPr lang="en-US"/>
           </a:p>
@@ -591,7 +596,7 @@
           <a:p>
             <a:fld id="{12E874E0-10B0-964E-BF22-533DA5CA5090}" type="datetimeFigureOut">
               <a:rPr lang="en-US" smtClean="0"/>
-              <a:t>7/10/19</a:t>
+              <a:t>8/25/19</a:t>
             </a:fld>
             <a:endParaRPr lang="en-US"/>
           </a:p>
@@ -756,7 +761,7 @@
           <a:p>
             <a:fld id="{12E874E0-10B0-964E-BF22-533DA5CA5090}" type="datetimeFigureOut">
               <a:rPr lang="en-US" smtClean="0"/>
-              <a:t>7/10/19</a:t>
+              <a:t>8/25/19</a:t>
             </a:fld>
             <a:endParaRPr lang="en-US"/>
           </a:p>
@@ -931,7 +936,7 @@
           <a:p>
             <a:fld id="{12E874E0-10B0-964E-BF22-533DA5CA5090}" type="datetimeFigureOut">
               <a:rPr lang="en-US" smtClean="0"/>
-              <a:t>7/10/19</a:t>
+              <a:t>8/25/19</a:t>
             </a:fld>
             <a:endParaRPr lang="en-US"/>
           </a:p>
@@ -1096,7 +1101,7 @@
           <a:p>
             <a:fld id="{12E874E0-10B0-964E-BF22-533DA5CA5090}" type="datetimeFigureOut">
               <a:rPr lang="en-US" smtClean="0"/>
-              <a:t>7/10/19</a:t>
+              <a:t>8/25/19</a:t>
             </a:fld>
             <a:endParaRPr lang="en-US"/>
           </a:p>
@@ -1335,7 +1340,7 @@
           <a:p>
             <a:fld id="{12E874E0-10B0-964E-BF22-533DA5CA5090}" type="datetimeFigureOut">
               <a:rPr lang="en-US" smtClean="0"/>
-              <a:t>7/10/19</a:t>
+              <a:t>8/25/19</a:t>
             </a:fld>
             <a:endParaRPr lang="en-US"/>
           </a:p>
@@ -1562,7 +1567,7 @@
           <a:p>
             <a:fld id="{12E874E0-10B0-964E-BF22-533DA5CA5090}" type="datetimeFigureOut">
               <a:rPr lang="en-US" smtClean="0"/>
-              <a:t>7/10/19</a:t>
+              <a:t>8/25/19</a:t>
             </a:fld>
             <a:endParaRPr lang="en-US"/>
           </a:p>
@@ -1924,7 +1929,7 @@
           <a:p>
             <a:fld id="{12E874E0-10B0-964E-BF22-533DA5CA5090}" type="datetimeFigureOut">
               <a:rPr lang="en-US" smtClean="0"/>
-              <a:t>7/10/19</a:t>
+              <a:t>8/25/19</a:t>
             </a:fld>
             <a:endParaRPr lang="en-US"/>
           </a:p>
@@ -2037,7 +2042,7 @@
           <a:p>
             <a:fld id="{12E874E0-10B0-964E-BF22-533DA5CA5090}" type="datetimeFigureOut">
               <a:rPr lang="en-US" smtClean="0"/>
-              <a:t>7/10/19</a:t>
+              <a:t>8/25/19</a:t>
             </a:fld>
             <a:endParaRPr lang="en-US"/>
           </a:p>
@@ -2127,7 +2132,7 @@
           <a:p>
             <a:fld id="{12E874E0-10B0-964E-BF22-533DA5CA5090}" type="datetimeFigureOut">
               <a:rPr lang="en-US" smtClean="0"/>
-              <a:t>7/10/19</a:t>
+              <a:t>8/25/19</a:t>
             </a:fld>
             <a:endParaRPr lang="en-US"/>
           </a:p>
@@ -2399,7 +2404,7 @@
           <a:p>
             <a:fld id="{12E874E0-10B0-964E-BF22-533DA5CA5090}" type="datetimeFigureOut">
               <a:rPr lang="en-US" smtClean="0"/>
-              <a:t>7/10/19</a:t>
+              <a:t>8/25/19</a:t>
             </a:fld>
             <a:endParaRPr lang="en-US"/>
           </a:p>
@@ -2651,7 +2656,7 @@
           <a:p>
             <a:fld id="{12E874E0-10B0-964E-BF22-533DA5CA5090}" type="datetimeFigureOut">
               <a:rPr lang="en-US" smtClean="0"/>
-              <a:t>7/10/19</a:t>
+              <a:t>8/25/19</a:t>
             </a:fld>
             <a:endParaRPr lang="en-US"/>
           </a:p>
@@ -2859,7 +2864,7 @@
           <a:p>
             <a:fld id="{12E874E0-10B0-964E-BF22-533DA5CA5090}" type="datetimeFigureOut">
               <a:rPr lang="en-US" smtClean="0"/>
-              <a:t>7/10/19</a:t>
+              <a:t>8/25/19</a:t>
             </a:fld>
             <a:endParaRPr lang="en-US"/>
           </a:p>
@@ -3401,8 +3406,21 @@
                 <a:ea typeface="Apple Chancery" charset="0"/>
                 <a:cs typeface="Apple Chancery" charset="0"/>
               </a:rPr>
-              <a:t>MOROCCAN SWEETS - £6.50</a:t>
-            </a:r>
+              <a:t>MOROCCAN SWEETS - </a:t>
+            </a:r>
+            <a:r>
+              <a:rPr lang="en-US" sz="1400" b="1" dirty="0" smtClean="0">
+                <a:latin typeface="Apple Chancery" charset="0"/>
+                <a:ea typeface="Apple Chancery" charset="0"/>
+                <a:cs typeface="Apple Chancery" charset="0"/>
+              </a:rPr>
+              <a:t>£5.50</a:t>
+            </a:r>
+            <a:endParaRPr lang="en-US" sz="1400" b="1" dirty="0" smtClean="0">
+              <a:latin typeface="Apple Chancery" charset="0"/>
+              <a:ea typeface="Apple Chancery" charset="0"/>
+              <a:cs typeface="Apple Chancery" charset="0"/>
+            </a:endParaRPr>
           </a:p>
           <a:p>
             <a:pPr algn="ctr"/>
@@ -3435,23 +3453,7 @@
                 <a:ea typeface="Apple Chancery" charset="0"/>
                 <a:cs typeface="Apple Chancery" charset="0"/>
               </a:rPr>
-              <a:t>VANILLA CASSIS MOUSSE</a:t>
-            </a:r>
-            <a:r>
-              <a:rPr lang="en-US" sz="1400" b="1" dirty="0" smtClean="0">
-                <a:latin typeface="Apple Chancery" charset="0"/>
-                <a:ea typeface="Apple Chancery" charset="0"/>
-                <a:cs typeface="Apple Chancery" charset="0"/>
-              </a:rPr>
-              <a:t>- £6.50</a:t>
-            </a:r>
-            <a:r>
-              <a:rPr lang="en-US" sz="1400" b="1" dirty="0" smtClean="0">
-                <a:latin typeface="Apple Chancery" charset="0"/>
-                <a:ea typeface="Apple Chancery" charset="0"/>
-                <a:cs typeface="Apple Chancery" charset="0"/>
-              </a:rPr>
-              <a:t/>
+              <a:t>VANILLA CASSIS MOUSSE- £6.50</a:t>
             </a:r>
             <a:br>
               <a:rPr lang="en-US" sz="1400" b="1" dirty="0" smtClean="0">
@@ -3489,7 +3491,7 @@
                 <a:ea typeface="Apple Chancery" charset="0"/>
                 <a:cs typeface="Apple Chancery" charset="0"/>
               </a:rPr>
-              <a:t>LEMON CURD TART </a:t>
+              <a:t>LEMON CURD TART - </a:t>
             </a:r>
             <a:r>
               <a:rPr lang="en-US" sz="1400" b="1" dirty="0" smtClean="0">
@@ -3497,7 +3499,7 @@
                 <a:ea typeface="Apple Chancery" charset="0"/>
                 <a:cs typeface="Apple Chancery" charset="0"/>
               </a:rPr>
-              <a:t>- £6.50</a:t>
+              <a:t>£4.50</a:t>
             </a:r>
             <a:endParaRPr lang="en-US" sz="1400" b="1" dirty="0" smtClean="0">
               <a:latin typeface="Apple Chancery" charset="0"/>
@@ -3532,21 +3534,8 @@
                 <a:ea typeface="Apple Chancery" charset="0"/>
                 <a:cs typeface="Apple Chancery" charset="0"/>
               </a:rPr>
-              <a:t>MANGO RASPBERRY CHEESECAKE </a:t>
-            </a:r>
-            <a:r>
-              <a:rPr lang="en-US" sz="1400" b="1" dirty="0" smtClean="0">
-                <a:latin typeface="Apple Chancery" charset="0"/>
-                <a:ea typeface="Apple Chancery" charset="0"/>
-                <a:cs typeface="Apple Chancery" charset="0"/>
-              </a:rPr>
-              <a:t>- £6.50</a:t>
-            </a:r>
-            <a:endParaRPr lang="en-US" sz="1400" b="1" dirty="0" smtClean="0">
-              <a:latin typeface="Apple Chancery" charset="0"/>
-              <a:ea typeface="Apple Chancery" charset="0"/>
-              <a:cs typeface="Apple Chancery" charset="0"/>
-            </a:endParaRPr>
+              <a:t>MANGO RASPBERRY CHEESECAKE - £6.50</a:t>
+            </a:r>
           </a:p>
           <a:p>
             <a:pPr algn="ctr"/>
@@ -3597,8 +3586,21 @@
                 <a:ea typeface="Apple Chancery" charset="0"/>
                 <a:cs typeface="Apple Chancery" charset="0"/>
               </a:rPr>
-              <a:t>MIX ICE CREAM- £6</a:t>
-            </a:r>
+              <a:t>MIX ICE CREAM- £</a:t>
+            </a:r>
+            <a:r>
+              <a:rPr lang="en-US" sz="1400" b="1" dirty="0" smtClean="0">
+                <a:latin typeface="Apple Chancery" charset="0"/>
+                <a:ea typeface="Apple Chancery" charset="0"/>
+                <a:cs typeface="Apple Chancery" charset="0"/>
+              </a:rPr>
+              <a:t>6.50</a:t>
+            </a:r>
+            <a:endParaRPr lang="en-US" sz="1400" b="1" dirty="0" smtClean="0">
+              <a:latin typeface="Apple Chancery" charset="0"/>
+              <a:ea typeface="Apple Chancery" charset="0"/>
+              <a:cs typeface="Apple Chancery" charset="0"/>
+            </a:endParaRPr>
           </a:p>
           <a:p>
             <a:pPr algn="ctr"/>
